--- a/Report.pptx
+++ b/Report.pptx
@@ -261,7 +261,7 @@
           <a:p>
             <a:fld id="{96E9B245-2076-40CB-ACDE-D58775C98695}" type="datetimeFigureOut">
               <a:rPr lang="ko-KR" altLang="en-US" smtClean="0"/>
-              <a:t>2020-11-22</a:t>
+              <a:t>2020-11-25</a:t>
             </a:fld>
             <a:endParaRPr lang="ko-KR" altLang="en-US"/>
           </a:p>
@@ -459,7 +459,7 @@
           <a:p>
             <a:fld id="{96E9B245-2076-40CB-ACDE-D58775C98695}" type="datetimeFigureOut">
               <a:rPr lang="ko-KR" altLang="en-US" smtClean="0"/>
-              <a:t>2020-11-22</a:t>
+              <a:t>2020-11-25</a:t>
             </a:fld>
             <a:endParaRPr lang="ko-KR" altLang="en-US"/>
           </a:p>
@@ -667,7 +667,7 @@
           <a:p>
             <a:fld id="{96E9B245-2076-40CB-ACDE-D58775C98695}" type="datetimeFigureOut">
               <a:rPr lang="ko-KR" altLang="en-US" smtClean="0"/>
-              <a:t>2020-11-22</a:t>
+              <a:t>2020-11-25</a:t>
             </a:fld>
             <a:endParaRPr lang="ko-KR" altLang="en-US"/>
           </a:p>
@@ -865,7 +865,7 @@
           <a:p>
             <a:fld id="{96E9B245-2076-40CB-ACDE-D58775C98695}" type="datetimeFigureOut">
               <a:rPr lang="ko-KR" altLang="en-US" smtClean="0"/>
-              <a:t>2020-11-22</a:t>
+              <a:t>2020-11-25</a:t>
             </a:fld>
             <a:endParaRPr lang="ko-KR" altLang="en-US"/>
           </a:p>
@@ -1140,7 +1140,7 @@
           <a:p>
             <a:fld id="{96E9B245-2076-40CB-ACDE-D58775C98695}" type="datetimeFigureOut">
               <a:rPr lang="ko-KR" altLang="en-US" smtClean="0"/>
-              <a:t>2020-11-22</a:t>
+              <a:t>2020-11-25</a:t>
             </a:fld>
             <a:endParaRPr lang="ko-KR" altLang="en-US"/>
           </a:p>
@@ -1405,7 +1405,7 @@
           <a:p>
             <a:fld id="{96E9B245-2076-40CB-ACDE-D58775C98695}" type="datetimeFigureOut">
               <a:rPr lang="ko-KR" altLang="en-US" smtClean="0"/>
-              <a:t>2020-11-22</a:t>
+              <a:t>2020-11-25</a:t>
             </a:fld>
             <a:endParaRPr lang="ko-KR" altLang="en-US"/>
           </a:p>
@@ -1817,7 +1817,7 @@
           <a:p>
             <a:fld id="{96E9B245-2076-40CB-ACDE-D58775C98695}" type="datetimeFigureOut">
               <a:rPr lang="ko-KR" altLang="en-US" smtClean="0"/>
-              <a:t>2020-11-22</a:t>
+              <a:t>2020-11-25</a:t>
             </a:fld>
             <a:endParaRPr lang="ko-KR" altLang="en-US"/>
           </a:p>
@@ -1958,7 +1958,7 @@
           <a:p>
             <a:fld id="{96E9B245-2076-40CB-ACDE-D58775C98695}" type="datetimeFigureOut">
               <a:rPr lang="ko-KR" altLang="en-US" smtClean="0"/>
-              <a:t>2020-11-22</a:t>
+              <a:t>2020-11-25</a:t>
             </a:fld>
             <a:endParaRPr lang="ko-KR" altLang="en-US"/>
           </a:p>
@@ -2071,7 +2071,7 @@
           <a:p>
             <a:fld id="{96E9B245-2076-40CB-ACDE-D58775C98695}" type="datetimeFigureOut">
               <a:rPr lang="ko-KR" altLang="en-US" smtClean="0"/>
-              <a:t>2020-11-22</a:t>
+              <a:t>2020-11-25</a:t>
             </a:fld>
             <a:endParaRPr lang="ko-KR" altLang="en-US"/>
           </a:p>
@@ -2382,7 +2382,7 @@
           <a:p>
             <a:fld id="{96E9B245-2076-40CB-ACDE-D58775C98695}" type="datetimeFigureOut">
               <a:rPr lang="ko-KR" altLang="en-US" smtClean="0"/>
-              <a:t>2020-11-22</a:t>
+              <a:t>2020-11-25</a:t>
             </a:fld>
             <a:endParaRPr lang="ko-KR" altLang="en-US"/>
           </a:p>
@@ -2670,7 +2670,7 @@
           <a:p>
             <a:fld id="{96E9B245-2076-40CB-ACDE-D58775C98695}" type="datetimeFigureOut">
               <a:rPr lang="ko-KR" altLang="en-US" smtClean="0"/>
-              <a:t>2020-11-22</a:t>
+              <a:t>2020-11-25</a:t>
             </a:fld>
             <a:endParaRPr lang="ko-KR" altLang="en-US"/>
           </a:p>
@@ -2911,7 +2911,7 @@
           <a:p>
             <a:fld id="{96E9B245-2076-40CB-ACDE-D58775C98695}" type="datetimeFigureOut">
               <a:rPr lang="ko-KR" altLang="en-US" smtClean="0"/>
-              <a:t>2020-11-22</a:t>
+              <a:t>2020-11-25</a:t>
             </a:fld>
             <a:endParaRPr lang="ko-KR" altLang="en-US"/>
           </a:p>
@@ -3441,6 +3441,8 @@
                     <a:lumOff val="15000"/>
                   </a:schemeClr>
                 </a:solidFill>
+                <a:latin typeface="HY헤드라인M" panose="02030600000101010101" pitchFamily="18" charset="-127"/>
+                <a:ea typeface="HY헤드라인M" panose="02030600000101010101" pitchFamily="18" charset="-127"/>
               </a:rPr>
             </a:br>
             <a:br>
@@ -3451,6 +3453,8 @@
                     <a:lumOff val="15000"/>
                   </a:schemeClr>
                 </a:solidFill>
+                <a:latin typeface="HY헤드라인M" panose="02030600000101010101" pitchFamily="18" charset="-127"/>
+                <a:ea typeface="HY헤드라인M" panose="02030600000101010101" pitchFamily="18" charset="-127"/>
               </a:rPr>
             </a:br>
             <a:br>
@@ -3461,32 +3465,10 @@
                     <a:lumOff val="15000"/>
                   </a:schemeClr>
                 </a:solidFill>
-              </a:rPr>
-            </a:br>
-            <a:r>
-              <a:rPr lang="en-US" altLang="ko-KR" dirty="0">
-                <a:solidFill>
-                  <a:schemeClr val="tx1">
-                    <a:lumMod val="85000"/>
-                    <a:lumOff val="15000"/>
-                  </a:schemeClr>
-                </a:solidFill>
-              </a:rPr>
-              <a:t>                       </a:t>
-            </a:r>
-            <a:r>
-              <a:rPr lang="ko-KR" altLang="en-US" dirty="0">
-                <a:solidFill>
-                  <a:schemeClr val="tx1">
-                    <a:lumMod val="85000"/>
-                    <a:lumOff val="15000"/>
-                  </a:schemeClr>
-                </a:solidFill>
                 <a:latin typeface="HY헤드라인M" panose="02030600000101010101" pitchFamily="18" charset="-127"/>
                 <a:ea typeface="HY헤드라인M" panose="02030600000101010101" pitchFamily="18" charset="-127"/>
               </a:rPr>
-              <a:t>이름</a:t>
-            </a:r>
+            </a:br>
             <a:r>
               <a:rPr lang="en-US" altLang="ko-KR" dirty="0">
                 <a:solidFill>
@@ -3498,7 +3480,20 @@
                 <a:latin typeface="HY헤드라인M" panose="02030600000101010101" pitchFamily="18" charset="-127"/>
                 <a:ea typeface="HY헤드라인M" panose="02030600000101010101" pitchFamily="18" charset="-127"/>
               </a:rPr>
-              <a:t>:</a:t>
+              <a:t>                       </a:t>
+            </a:r>
+            <a:r>
+              <a:rPr lang="ko-KR" altLang="en-US" dirty="0">
+                <a:solidFill>
+                  <a:schemeClr val="tx1">
+                    <a:lumMod val="85000"/>
+                    <a:lumOff val="15000"/>
+                  </a:schemeClr>
+                </a:solidFill>
+                <a:latin typeface="HY헤드라인M" panose="02030600000101010101" pitchFamily="18" charset="-127"/>
+                <a:ea typeface="HY헤드라인M" panose="02030600000101010101" pitchFamily="18" charset="-127"/>
+              </a:rPr>
+              <a:t>이름</a:t>
             </a:r>
             <a:r>
               <a:rPr lang="en-US" altLang="ko-KR" dirty="0">
@@ -3508,17 +3503,24 @@
                     <a:lumOff val="15000"/>
                   </a:schemeClr>
                 </a:solidFill>
-              </a:rPr>
-              <a:t> </a:t>
-            </a:r>
-            <a:endParaRPr lang="ko-KR" altLang="en-US" dirty="0">
-              <a:solidFill>
-                <a:schemeClr val="tx1">
-                  <a:lumMod val="85000"/>
-                  <a:lumOff val="15000"/>
-                </a:schemeClr>
-              </a:solidFill>
-            </a:endParaRPr>
+                <a:latin typeface="HY헤드라인M" panose="02030600000101010101" pitchFamily="18" charset="-127"/>
+                <a:ea typeface="HY헤드라인M" panose="02030600000101010101" pitchFamily="18" charset="-127"/>
+              </a:rPr>
+              <a:t>: </a:t>
+            </a:r>
+            <a:r>
+              <a:rPr lang="ko-KR" altLang="en-US" dirty="0">
+                <a:solidFill>
+                  <a:schemeClr val="tx1">
+                    <a:lumMod val="85000"/>
+                    <a:lumOff val="15000"/>
+                  </a:schemeClr>
+                </a:solidFill>
+                <a:latin typeface="HY헤드라인M" panose="02030600000101010101" pitchFamily="18" charset="-127"/>
+                <a:ea typeface="HY헤드라인M" panose="02030600000101010101" pitchFamily="18" charset="-127"/>
+              </a:rPr>
+              <a:t>안수현</a:t>
+            </a:r>
           </a:p>
         </p:txBody>
       </p:sp>
@@ -4501,17 +4503,6 @@
           </a:bodyPr>
           <a:lstStyle/>
           <a:p>
-            <a:r>
-              <a:rPr lang="ko-KR" altLang="en-US" sz="1600" dirty="0">
-                <a:solidFill>
-                  <a:schemeClr val="bg2">
-                    <a:lumMod val="90000"/>
-                  </a:schemeClr>
-                </a:solidFill>
-                <a:latin typeface="+mn-ea"/>
-              </a:rPr>
-              <a:t>여기에 아이디어를 자유롭게 작성해보세요</a:t>
-            </a:r>
             <a:r>
               <a:rPr lang="en-US" altLang="ko-KR" sz="1600" dirty="0">
                 <a:solidFill>

--- a/Report.pptx
+++ b/Report.pptx
@@ -4504,24 +4504,35 @@
           <a:lstStyle/>
           <a:p>
             <a:r>
+              <a:rPr lang="ko-KR" altLang="en-US" sz="1600" dirty="0">
+                <a:latin typeface="+mn-ea"/>
+              </a:rPr>
+              <a:t>나라 국기 사진을 보여주면 국가명과 수도</a:t>
+            </a:r>
+            <a:r>
               <a:rPr lang="en-US" altLang="ko-KR" sz="1600" dirty="0">
-                <a:solidFill>
-                  <a:schemeClr val="bg2">
-                    <a:lumMod val="90000"/>
-                  </a:schemeClr>
-                </a:solidFill>
-                <a:latin typeface="+mn-ea"/>
-              </a:rPr>
-              <a:t>.</a:t>
-            </a:r>
-            <a:endParaRPr lang="ko-KR" altLang="en-US" sz="1600" dirty="0">
-              <a:solidFill>
-                <a:schemeClr val="bg2">
-                  <a:lumMod val="90000"/>
-                </a:schemeClr>
-              </a:solidFill>
-              <a:latin typeface="+mn-ea"/>
-            </a:endParaRPr>
+                <a:latin typeface="+mn-ea"/>
+              </a:rPr>
+              <a:t>, </a:t>
+            </a:r>
+            <a:r>
+              <a:rPr lang="ko-KR" altLang="en-US" sz="1600" dirty="0">
+                <a:latin typeface="+mn-ea"/>
+              </a:rPr>
+              <a:t>대륙</a:t>
+            </a:r>
+            <a:r>
+              <a:rPr lang="en-US" altLang="ko-KR" sz="1600" dirty="0">
+                <a:latin typeface="+mn-ea"/>
+              </a:rPr>
+              <a:t>, </a:t>
+            </a:r>
+            <a:r>
+              <a:rPr lang="ko-KR" altLang="en-US" sz="1600" dirty="0">
+                <a:latin typeface="+mn-ea"/>
+              </a:rPr>
+              <a:t>표준시 알려주기</a:t>
+            </a:r>
           </a:p>
         </p:txBody>
       </p:sp>

--- a/Report.pptx
+++ b/Report.pptx
@@ -4536,6 +4536,55 @@
           </a:p>
         </p:txBody>
       </p:sp>
+      <p:sp>
+        <p:nvSpPr>
+          <p:cNvPr id="6" name="TextBox 5">
+            <a:extLst>
+              <a:ext uri="{FF2B5EF4-FFF2-40B4-BE49-F238E27FC236}">
+                <a16:creationId xmlns:a16="http://schemas.microsoft.com/office/drawing/2014/main" id="{AC3BF902-5E7B-456E-A9D4-A9CB338DD245}"/>
+              </a:ext>
+            </a:extLst>
+          </p:cNvPr>
+          <p:cNvSpPr txBox="1"/>
+          <p:nvPr/>
+        </p:nvSpPr>
+        <p:spPr>
+          <a:xfrm>
+            <a:off x="376334" y="4098870"/>
+            <a:ext cx="11439332" cy="338554"/>
+          </a:xfrm>
+          <a:prstGeom prst="rect">
+            <a:avLst/>
+          </a:prstGeom>
+          <a:noFill/>
+        </p:spPr>
+        <p:txBody>
+          <a:bodyPr wrap="square" rtlCol="0">
+            <a:spAutoFit/>
+          </a:bodyPr>
+          <a:lstStyle/>
+          <a:p>
+            <a:r>
+              <a:rPr lang="ko-KR" altLang="en-US" sz="1600" dirty="0">
+                <a:latin typeface="+mn-ea"/>
+              </a:rPr>
+              <a:t>명화 보여주면 작가</a:t>
+            </a:r>
+            <a:r>
+              <a:rPr lang="en-US" altLang="ko-KR" sz="1600" dirty="0">
+                <a:latin typeface="+mn-ea"/>
+              </a:rPr>
+              <a:t> </a:t>
+            </a:r>
+            <a:r>
+              <a:rPr lang="ko-KR" altLang="en-US" sz="1600" dirty="0">
+                <a:latin typeface="+mn-ea"/>
+              </a:rPr>
+              <a:t>및 시대 알려주기</a:t>
+            </a:r>
+          </a:p>
+        </p:txBody>
+      </p:sp>
     </p:spTree>
     <p:extLst>
       <p:ext uri="{BB962C8B-B14F-4D97-AF65-F5344CB8AC3E}">

--- a/Report.pptx
+++ b/Report.pptx
@@ -261,7 +261,7 @@
           <a:p>
             <a:fld id="{96E9B245-2076-40CB-ACDE-D58775C98695}" type="datetimeFigureOut">
               <a:rPr lang="ko-KR" altLang="en-US" smtClean="0"/>
-              <a:t>2020-11-25</a:t>
+              <a:t>2020-11-26</a:t>
             </a:fld>
             <a:endParaRPr lang="ko-KR" altLang="en-US"/>
           </a:p>
@@ -459,7 +459,7 @@
           <a:p>
             <a:fld id="{96E9B245-2076-40CB-ACDE-D58775C98695}" type="datetimeFigureOut">
               <a:rPr lang="ko-KR" altLang="en-US" smtClean="0"/>
-              <a:t>2020-11-25</a:t>
+              <a:t>2020-11-26</a:t>
             </a:fld>
             <a:endParaRPr lang="ko-KR" altLang="en-US"/>
           </a:p>
@@ -667,7 +667,7 @@
           <a:p>
             <a:fld id="{96E9B245-2076-40CB-ACDE-D58775C98695}" type="datetimeFigureOut">
               <a:rPr lang="ko-KR" altLang="en-US" smtClean="0"/>
-              <a:t>2020-11-25</a:t>
+              <a:t>2020-11-26</a:t>
             </a:fld>
             <a:endParaRPr lang="ko-KR" altLang="en-US"/>
           </a:p>
@@ -865,7 +865,7 @@
           <a:p>
             <a:fld id="{96E9B245-2076-40CB-ACDE-D58775C98695}" type="datetimeFigureOut">
               <a:rPr lang="ko-KR" altLang="en-US" smtClean="0"/>
-              <a:t>2020-11-25</a:t>
+              <a:t>2020-11-26</a:t>
             </a:fld>
             <a:endParaRPr lang="ko-KR" altLang="en-US"/>
           </a:p>
@@ -1140,7 +1140,7 @@
           <a:p>
             <a:fld id="{96E9B245-2076-40CB-ACDE-D58775C98695}" type="datetimeFigureOut">
               <a:rPr lang="ko-KR" altLang="en-US" smtClean="0"/>
-              <a:t>2020-11-25</a:t>
+              <a:t>2020-11-26</a:t>
             </a:fld>
             <a:endParaRPr lang="ko-KR" altLang="en-US"/>
           </a:p>
@@ -1405,7 +1405,7 @@
           <a:p>
             <a:fld id="{96E9B245-2076-40CB-ACDE-D58775C98695}" type="datetimeFigureOut">
               <a:rPr lang="ko-KR" altLang="en-US" smtClean="0"/>
-              <a:t>2020-11-25</a:t>
+              <a:t>2020-11-26</a:t>
             </a:fld>
             <a:endParaRPr lang="ko-KR" altLang="en-US"/>
           </a:p>
@@ -1817,7 +1817,7 @@
           <a:p>
             <a:fld id="{96E9B245-2076-40CB-ACDE-D58775C98695}" type="datetimeFigureOut">
               <a:rPr lang="ko-KR" altLang="en-US" smtClean="0"/>
-              <a:t>2020-11-25</a:t>
+              <a:t>2020-11-26</a:t>
             </a:fld>
             <a:endParaRPr lang="ko-KR" altLang="en-US"/>
           </a:p>
@@ -1958,7 +1958,7 @@
           <a:p>
             <a:fld id="{96E9B245-2076-40CB-ACDE-D58775C98695}" type="datetimeFigureOut">
               <a:rPr lang="ko-KR" altLang="en-US" smtClean="0"/>
-              <a:t>2020-11-25</a:t>
+              <a:t>2020-11-26</a:t>
             </a:fld>
             <a:endParaRPr lang="ko-KR" altLang="en-US"/>
           </a:p>
@@ -2071,7 +2071,7 @@
           <a:p>
             <a:fld id="{96E9B245-2076-40CB-ACDE-D58775C98695}" type="datetimeFigureOut">
               <a:rPr lang="ko-KR" altLang="en-US" smtClean="0"/>
-              <a:t>2020-11-25</a:t>
+              <a:t>2020-11-26</a:t>
             </a:fld>
             <a:endParaRPr lang="ko-KR" altLang="en-US"/>
           </a:p>
@@ -2382,7 +2382,7 @@
           <a:p>
             <a:fld id="{96E9B245-2076-40CB-ACDE-D58775C98695}" type="datetimeFigureOut">
               <a:rPr lang="ko-KR" altLang="en-US" smtClean="0"/>
-              <a:t>2020-11-25</a:t>
+              <a:t>2020-11-26</a:t>
             </a:fld>
             <a:endParaRPr lang="ko-KR" altLang="en-US"/>
           </a:p>
@@ -2670,7 +2670,7 @@
           <a:p>
             <a:fld id="{96E9B245-2076-40CB-ACDE-D58775C98695}" type="datetimeFigureOut">
               <a:rPr lang="ko-KR" altLang="en-US" smtClean="0"/>
-              <a:t>2020-11-25</a:t>
+              <a:t>2020-11-26</a:t>
             </a:fld>
             <a:endParaRPr lang="ko-KR" altLang="en-US"/>
           </a:p>
@@ -2911,7 +2911,7 @@
           <a:p>
             <a:fld id="{96E9B245-2076-40CB-ACDE-D58775C98695}" type="datetimeFigureOut">
               <a:rPr lang="ko-KR" altLang="en-US" smtClean="0"/>
-              <a:t>2020-11-25</a:t>
+              <a:t>2020-11-26</a:t>
             </a:fld>
             <a:endParaRPr lang="ko-KR" altLang="en-US"/>
           </a:p>

--- a/Report.pptx
+++ b/Report.pptx
@@ -261,7 +261,7 @@
           <a:p>
             <a:fld id="{96E9B245-2076-40CB-ACDE-D58775C98695}" type="datetimeFigureOut">
               <a:rPr lang="ko-KR" altLang="en-US" smtClean="0"/>
-              <a:t>2020-11-26</a:t>
+              <a:t>2020-11-27</a:t>
             </a:fld>
             <a:endParaRPr lang="ko-KR" altLang="en-US"/>
           </a:p>
@@ -459,7 +459,7 @@
           <a:p>
             <a:fld id="{96E9B245-2076-40CB-ACDE-D58775C98695}" type="datetimeFigureOut">
               <a:rPr lang="ko-KR" altLang="en-US" smtClean="0"/>
-              <a:t>2020-11-26</a:t>
+              <a:t>2020-11-27</a:t>
             </a:fld>
             <a:endParaRPr lang="ko-KR" altLang="en-US"/>
           </a:p>
@@ -667,7 +667,7 @@
           <a:p>
             <a:fld id="{96E9B245-2076-40CB-ACDE-D58775C98695}" type="datetimeFigureOut">
               <a:rPr lang="ko-KR" altLang="en-US" smtClean="0"/>
-              <a:t>2020-11-26</a:t>
+              <a:t>2020-11-27</a:t>
             </a:fld>
             <a:endParaRPr lang="ko-KR" altLang="en-US"/>
           </a:p>
@@ -865,7 +865,7 @@
           <a:p>
             <a:fld id="{96E9B245-2076-40CB-ACDE-D58775C98695}" type="datetimeFigureOut">
               <a:rPr lang="ko-KR" altLang="en-US" smtClean="0"/>
-              <a:t>2020-11-26</a:t>
+              <a:t>2020-11-27</a:t>
             </a:fld>
             <a:endParaRPr lang="ko-KR" altLang="en-US"/>
           </a:p>
@@ -1140,7 +1140,7 @@
           <a:p>
             <a:fld id="{96E9B245-2076-40CB-ACDE-D58775C98695}" type="datetimeFigureOut">
               <a:rPr lang="ko-KR" altLang="en-US" smtClean="0"/>
-              <a:t>2020-11-26</a:t>
+              <a:t>2020-11-27</a:t>
             </a:fld>
             <a:endParaRPr lang="ko-KR" altLang="en-US"/>
           </a:p>
@@ -1405,7 +1405,7 @@
           <a:p>
             <a:fld id="{96E9B245-2076-40CB-ACDE-D58775C98695}" type="datetimeFigureOut">
               <a:rPr lang="ko-KR" altLang="en-US" smtClean="0"/>
-              <a:t>2020-11-26</a:t>
+              <a:t>2020-11-27</a:t>
             </a:fld>
             <a:endParaRPr lang="ko-KR" altLang="en-US"/>
           </a:p>
@@ -1817,7 +1817,7 @@
           <a:p>
             <a:fld id="{96E9B245-2076-40CB-ACDE-D58775C98695}" type="datetimeFigureOut">
               <a:rPr lang="ko-KR" altLang="en-US" smtClean="0"/>
-              <a:t>2020-11-26</a:t>
+              <a:t>2020-11-27</a:t>
             </a:fld>
             <a:endParaRPr lang="ko-KR" altLang="en-US"/>
           </a:p>
@@ -1958,7 +1958,7 @@
           <a:p>
             <a:fld id="{96E9B245-2076-40CB-ACDE-D58775C98695}" type="datetimeFigureOut">
               <a:rPr lang="ko-KR" altLang="en-US" smtClean="0"/>
-              <a:t>2020-11-26</a:t>
+              <a:t>2020-11-27</a:t>
             </a:fld>
             <a:endParaRPr lang="ko-KR" altLang="en-US"/>
           </a:p>
@@ -2071,7 +2071,7 @@
           <a:p>
             <a:fld id="{96E9B245-2076-40CB-ACDE-D58775C98695}" type="datetimeFigureOut">
               <a:rPr lang="ko-KR" altLang="en-US" smtClean="0"/>
-              <a:t>2020-11-26</a:t>
+              <a:t>2020-11-27</a:t>
             </a:fld>
             <a:endParaRPr lang="ko-KR" altLang="en-US"/>
           </a:p>
@@ -2382,7 +2382,7 @@
           <a:p>
             <a:fld id="{96E9B245-2076-40CB-ACDE-D58775C98695}" type="datetimeFigureOut">
               <a:rPr lang="ko-KR" altLang="en-US" smtClean="0"/>
-              <a:t>2020-11-26</a:t>
+              <a:t>2020-11-27</a:t>
             </a:fld>
             <a:endParaRPr lang="ko-KR" altLang="en-US"/>
           </a:p>
@@ -2670,7 +2670,7 @@
           <a:p>
             <a:fld id="{96E9B245-2076-40CB-ACDE-D58775C98695}" type="datetimeFigureOut">
               <a:rPr lang="ko-KR" altLang="en-US" smtClean="0"/>
-              <a:t>2020-11-26</a:t>
+              <a:t>2020-11-27</a:t>
             </a:fld>
             <a:endParaRPr lang="ko-KR" altLang="en-US"/>
           </a:p>
@@ -2911,7 +2911,7 @@
           <a:p>
             <a:fld id="{96E9B245-2076-40CB-ACDE-D58775C98695}" type="datetimeFigureOut">
               <a:rPr lang="ko-KR" altLang="en-US" smtClean="0"/>
-              <a:t>2020-11-26</a:t>
+              <a:t>2020-11-27</a:t>
             </a:fld>
             <a:endParaRPr lang="ko-KR" altLang="en-US"/>
           </a:p>
@@ -4755,6 +4755,54 @@
                 <a:latin typeface="+mn-ea"/>
               </a:rPr>
             </a:br>
+            <a:r>
+              <a:rPr lang="ko-KR" altLang="en-US" sz="1600" dirty="0" err="1">
+                <a:solidFill>
+                  <a:schemeClr val="tx1">
+                    <a:lumMod val="85000"/>
+                    <a:lumOff val="15000"/>
+                  </a:schemeClr>
+                </a:solidFill>
+                <a:latin typeface="+mn-ea"/>
+              </a:rPr>
+              <a:t>인텔리젠시아</a:t>
+            </a:r>
+            <a:r>
+              <a:rPr lang="en-US" altLang="ko-KR" sz="1600" dirty="0">
+                <a:solidFill>
+                  <a:schemeClr val="tx1">
+                    <a:lumMod val="85000"/>
+                    <a:lumOff val="15000"/>
+                  </a:schemeClr>
+                </a:solidFill>
+                <a:latin typeface="+mn-ea"/>
+              </a:rPr>
+              <a:t>(</a:t>
+            </a:r>
+            <a:r>
+              <a:rPr lang="en-US" altLang="ko-KR" sz="1600" dirty="0" err="1">
+                <a:solidFill>
+                  <a:schemeClr val="tx1">
+                    <a:lumMod val="85000"/>
+                    <a:lumOff val="15000"/>
+                  </a:schemeClr>
+                </a:solidFill>
+                <a:latin typeface="+mn-ea"/>
+              </a:rPr>
+              <a:t>inteligencia</a:t>
+            </a:r>
+            <a:r>
+              <a:rPr lang="en-US" altLang="ko-KR" sz="1600" dirty="0">
+                <a:solidFill>
+                  <a:schemeClr val="tx1">
+                    <a:lumMod val="85000"/>
+                    <a:lumOff val="15000"/>
+                  </a:schemeClr>
+                </a:solidFill>
+                <a:latin typeface="+mn-ea"/>
+              </a:rPr>
+              <a:t>)</a:t>
+            </a:r>
             <a:br>
               <a:rPr lang="en-US" altLang="ko-KR" sz="1600" dirty="0">
                 <a:solidFill>

--- a/Report.pptx
+++ b/Report.pptx
@@ -4507,7 +4507,7 @@
               <a:rPr lang="ko-KR" altLang="en-US" sz="1600" dirty="0">
                 <a:latin typeface="+mn-ea"/>
               </a:rPr>
-              <a:t>나라 국기 사진을 보여주면 국가명과 수도</a:t>
+              <a:t>화폐를 보여주고 어느 나라의 화폐인지</a:t>
             </a:r>
             <a:r>
               <a:rPr lang="en-US" altLang="ko-KR" sz="1600" dirty="0">
@@ -4519,68 +4519,7 @@
               <a:rPr lang="ko-KR" altLang="en-US" sz="1600" dirty="0">
                 <a:latin typeface="+mn-ea"/>
               </a:rPr>
-              <a:t>대륙</a:t>
-            </a:r>
-            <a:r>
-              <a:rPr lang="en-US" altLang="ko-KR" sz="1600" dirty="0">
-                <a:latin typeface="+mn-ea"/>
-              </a:rPr>
-              <a:t>, </a:t>
-            </a:r>
-            <a:r>
-              <a:rPr lang="ko-KR" altLang="en-US" sz="1600" dirty="0">
-                <a:latin typeface="+mn-ea"/>
-              </a:rPr>
-              <a:t>표준시 알려주기</a:t>
-            </a:r>
-          </a:p>
-        </p:txBody>
-      </p:sp>
-      <p:sp>
-        <p:nvSpPr>
-          <p:cNvPr id="6" name="TextBox 5">
-            <a:extLst>
-              <a:ext uri="{FF2B5EF4-FFF2-40B4-BE49-F238E27FC236}">
-                <a16:creationId xmlns:a16="http://schemas.microsoft.com/office/drawing/2014/main" id="{AC3BF902-5E7B-456E-A9D4-A9CB338DD245}"/>
-              </a:ext>
-            </a:extLst>
-          </p:cNvPr>
-          <p:cNvSpPr txBox="1"/>
-          <p:nvPr/>
-        </p:nvSpPr>
-        <p:spPr>
-          <a:xfrm>
-            <a:off x="376334" y="4098870"/>
-            <a:ext cx="11439332" cy="338554"/>
-          </a:xfrm>
-          <a:prstGeom prst="rect">
-            <a:avLst/>
-          </a:prstGeom>
-          <a:noFill/>
-        </p:spPr>
-        <p:txBody>
-          <a:bodyPr wrap="square" rtlCol="0">
-            <a:spAutoFit/>
-          </a:bodyPr>
-          <a:lstStyle/>
-          <a:p>
-            <a:r>
-              <a:rPr lang="ko-KR" altLang="en-US" sz="1600" dirty="0">
-                <a:latin typeface="+mn-ea"/>
-              </a:rPr>
-              <a:t>명화 보여주면 작가</a:t>
-            </a:r>
-            <a:r>
-              <a:rPr lang="en-US" altLang="ko-KR" sz="1600" dirty="0">
-                <a:latin typeface="+mn-ea"/>
-              </a:rPr>
-              <a:t> </a:t>
-            </a:r>
-            <a:r>
-              <a:rPr lang="ko-KR" altLang="en-US" sz="1600" dirty="0">
-                <a:latin typeface="+mn-ea"/>
-              </a:rPr>
-              <a:t>및 시대 알려주기</a:t>
+              <a:t>어떤 인물과 사물이 그려져 있는지 알려주기</a:t>
             </a:r>
           </a:p>
         </p:txBody>
@@ -4755,54 +4694,6 @@
                 <a:latin typeface="+mn-ea"/>
               </a:rPr>
             </a:br>
-            <a:r>
-              <a:rPr lang="ko-KR" altLang="en-US" sz="1600" dirty="0" err="1">
-                <a:solidFill>
-                  <a:schemeClr val="tx1">
-                    <a:lumMod val="85000"/>
-                    <a:lumOff val="15000"/>
-                  </a:schemeClr>
-                </a:solidFill>
-                <a:latin typeface="+mn-ea"/>
-              </a:rPr>
-              <a:t>인텔리젠시아</a:t>
-            </a:r>
-            <a:r>
-              <a:rPr lang="en-US" altLang="ko-KR" sz="1600" dirty="0">
-                <a:solidFill>
-                  <a:schemeClr val="tx1">
-                    <a:lumMod val="85000"/>
-                    <a:lumOff val="15000"/>
-                  </a:schemeClr>
-                </a:solidFill>
-                <a:latin typeface="+mn-ea"/>
-              </a:rPr>
-              <a:t>(</a:t>
-            </a:r>
-            <a:r>
-              <a:rPr lang="en-US" altLang="ko-KR" sz="1600" dirty="0" err="1">
-                <a:solidFill>
-                  <a:schemeClr val="tx1">
-                    <a:lumMod val="85000"/>
-                    <a:lumOff val="15000"/>
-                  </a:schemeClr>
-                </a:solidFill>
-                <a:latin typeface="+mn-ea"/>
-              </a:rPr>
-              <a:t>inteligencia</a:t>
-            </a:r>
-            <a:r>
-              <a:rPr lang="en-US" altLang="ko-KR" sz="1600" dirty="0">
-                <a:solidFill>
-                  <a:schemeClr val="tx1">
-                    <a:lumMod val="85000"/>
-                    <a:lumOff val="15000"/>
-                  </a:schemeClr>
-                </a:solidFill>
-                <a:latin typeface="+mn-ea"/>
-              </a:rPr>
-              <a:t>)</a:t>
-            </a:r>
             <a:br>
               <a:rPr lang="en-US" altLang="ko-KR" sz="1600" dirty="0">
                 <a:solidFill>

--- a/Report.pptx
+++ b/Report.pptx
@@ -4507,7 +4507,7 @@
               <a:rPr lang="ko-KR" altLang="en-US" sz="1600" dirty="0">
                 <a:latin typeface="+mn-ea"/>
               </a:rPr>
-              <a:t>화폐를 보여주고 어느 나라의 화폐인지</a:t>
+              <a:t>화폐를 보여주면 어느 나라의 화폐인지</a:t>
             </a:r>
             <a:r>
               <a:rPr lang="en-US" altLang="ko-KR" sz="1600" dirty="0">
@@ -4519,7 +4519,135 @@
               <a:rPr lang="ko-KR" altLang="en-US" sz="1600" dirty="0">
                 <a:latin typeface="+mn-ea"/>
               </a:rPr>
-              <a:t>어떤 인물과 사물이 그려져 있는지 알려주기</a:t>
+              <a:t>어떤 인물이 그려져 있는지 알려주기</a:t>
+            </a:r>
+          </a:p>
+        </p:txBody>
+      </p:sp>
+      <p:sp>
+        <p:nvSpPr>
+          <p:cNvPr id="6" name="TextBox 5">
+            <a:extLst>
+              <a:ext uri="{FF2B5EF4-FFF2-40B4-BE49-F238E27FC236}">
+                <a16:creationId xmlns:a16="http://schemas.microsoft.com/office/drawing/2014/main" id="{0E9BB7C5-442B-496E-9B94-08DD922BE6AE}"/>
+              </a:ext>
+            </a:extLst>
+          </p:cNvPr>
+          <p:cNvSpPr txBox="1"/>
+          <p:nvPr/>
+        </p:nvSpPr>
+        <p:spPr>
+          <a:xfrm>
+            <a:off x="376334" y="4098870"/>
+            <a:ext cx="11439332" cy="338554"/>
+          </a:xfrm>
+          <a:prstGeom prst="rect">
+            <a:avLst/>
+          </a:prstGeom>
+          <a:noFill/>
+        </p:spPr>
+        <p:txBody>
+          <a:bodyPr wrap="square" rtlCol="0">
+            <a:spAutoFit/>
+          </a:bodyPr>
+          <a:lstStyle/>
+          <a:p>
+            <a:r>
+              <a:rPr lang="ko-KR" altLang="en-US" sz="1600" dirty="0">
+                <a:latin typeface="+mn-ea"/>
+              </a:rPr>
+              <a:t>국기 보여주면 나라 이름</a:t>
+            </a:r>
+            <a:r>
+              <a:rPr lang="en-US" altLang="ko-KR" sz="1600" dirty="0">
+                <a:latin typeface="+mn-ea"/>
+              </a:rPr>
+              <a:t>, </a:t>
+            </a:r>
+            <a:r>
+              <a:rPr lang="ko-KR" altLang="en-US" sz="1600" dirty="0">
+                <a:latin typeface="+mn-ea"/>
+              </a:rPr>
+              <a:t>수도</a:t>
+            </a:r>
+            <a:r>
+              <a:rPr lang="en-US" altLang="ko-KR" sz="1600" dirty="0">
+                <a:latin typeface="+mn-ea"/>
+              </a:rPr>
+              <a:t>, </a:t>
+            </a:r>
+            <a:r>
+              <a:rPr lang="ko-KR" altLang="en-US" sz="1600" dirty="0">
+                <a:latin typeface="+mn-ea"/>
+              </a:rPr>
+              <a:t>대륙</a:t>
+            </a:r>
+            <a:r>
+              <a:rPr lang="en-US" altLang="ko-KR" sz="1600" dirty="0">
+                <a:latin typeface="+mn-ea"/>
+              </a:rPr>
+              <a:t>, </a:t>
+            </a:r>
+            <a:r>
+              <a:rPr lang="ko-KR" altLang="en-US" sz="1600" dirty="0">
+                <a:latin typeface="+mn-ea"/>
+              </a:rPr>
+              <a:t>표준시 알려주기</a:t>
+            </a:r>
+          </a:p>
+        </p:txBody>
+      </p:sp>
+      <p:sp>
+        <p:nvSpPr>
+          <p:cNvPr id="7" name="TextBox 6">
+            <a:extLst>
+              <a:ext uri="{FF2B5EF4-FFF2-40B4-BE49-F238E27FC236}">
+                <a16:creationId xmlns:a16="http://schemas.microsoft.com/office/drawing/2014/main" id="{7737EFB5-C4E0-4254-8239-A68026D4F2E8}"/>
+              </a:ext>
+            </a:extLst>
+          </p:cNvPr>
+          <p:cNvSpPr txBox="1"/>
+          <p:nvPr/>
+        </p:nvSpPr>
+        <p:spPr>
+          <a:xfrm>
+            <a:off x="376333" y="4675434"/>
+            <a:ext cx="11439332" cy="338554"/>
+          </a:xfrm>
+          <a:prstGeom prst="rect">
+            <a:avLst/>
+          </a:prstGeom>
+          <a:noFill/>
+        </p:spPr>
+        <p:txBody>
+          <a:bodyPr wrap="square" rtlCol="0">
+            <a:spAutoFit/>
+          </a:bodyPr>
+          <a:lstStyle/>
+          <a:p>
+            <a:r>
+              <a:rPr lang="ko-KR" altLang="en-US" sz="1600" dirty="0">
+                <a:latin typeface="+mn-ea"/>
+              </a:rPr>
+              <a:t>명화 보여주면 </a:t>
+            </a:r>
+            <a:r>
+              <a:rPr lang="ko-KR" altLang="en-US" sz="1600" dirty="0" err="1">
+                <a:latin typeface="+mn-ea"/>
+              </a:rPr>
+              <a:t>작품명</a:t>
+            </a:r>
+            <a:r>
+              <a:rPr lang="en-US" altLang="ko-KR" sz="1600" dirty="0">
+                <a:latin typeface="+mn-ea"/>
+              </a:rPr>
+              <a:t>, </a:t>
+            </a:r>
+            <a:r>
+              <a:rPr lang="ko-KR" altLang="en-US" sz="1600" dirty="0">
+                <a:latin typeface="+mn-ea"/>
+              </a:rPr>
+              <a:t>작가와 시대 알려주기</a:t>
             </a:r>
           </a:p>
         </p:txBody>
@@ -4634,7 +4762,7 @@
         <p:spPr>
           <a:xfrm>
             <a:off x="376335" y="1077942"/>
-            <a:ext cx="11439332" cy="1077218"/>
+            <a:ext cx="11439332" cy="1323439"/>
           </a:xfrm>
           <a:prstGeom prst="rect">
             <a:avLst/>
@@ -4694,6 +4822,102 @@
                 <a:latin typeface="+mn-ea"/>
               </a:rPr>
             </a:br>
+            <a:r>
+              <a:rPr lang="en-US" altLang="ko-KR" sz="1600" dirty="0" err="1">
+                <a:solidFill>
+                  <a:schemeClr val="tx1">
+                    <a:lumMod val="85000"/>
+                    <a:lumOff val="15000"/>
+                  </a:schemeClr>
+                </a:solidFill>
+                <a:latin typeface="+mn-ea"/>
+              </a:rPr>
+              <a:t>Moneda</a:t>
+            </a:r>
+            <a:r>
+              <a:rPr lang="en-US" altLang="ko-KR" sz="1600" dirty="0">
+                <a:solidFill>
+                  <a:schemeClr val="tx1">
+                    <a:lumMod val="85000"/>
+                    <a:lumOff val="15000"/>
+                  </a:schemeClr>
+                </a:solidFill>
+                <a:latin typeface="+mn-ea"/>
+              </a:rPr>
+              <a:t>(</a:t>
+            </a:r>
+            <a:r>
+              <a:rPr lang="ko-KR" altLang="en-US" sz="1600" dirty="0">
+                <a:solidFill>
+                  <a:schemeClr val="tx1">
+                    <a:lumMod val="85000"/>
+                    <a:lumOff val="15000"/>
+                  </a:schemeClr>
+                </a:solidFill>
+                <a:latin typeface="+mn-ea"/>
+              </a:rPr>
+              <a:t>모네다</a:t>
+            </a:r>
+            <a:r>
+              <a:rPr lang="en-US" altLang="ko-KR" sz="1600" dirty="0">
+                <a:solidFill>
+                  <a:schemeClr val="tx1">
+                    <a:lumMod val="85000"/>
+                    <a:lumOff val="15000"/>
+                  </a:schemeClr>
+                </a:solidFill>
+                <a:latin typeface="+mn-ea"/>
+              </a:rPr>
+              <a:t>) </a:t>
+            </a:r>
+            <a:r>
+              <a:rPr lang="ko-KR" altLang="en-US" sz="1600" dirty="0">
+                <a:solidFill>
+                  <a:schemeClr val="tx1">
+                    <a:lumMod val="85000"/>
+                    <a:lumOff val="15000"/>
+                  </a:schemeClr>
+                </a:solidFill>
+                <a:latin typeface="+mn-ea"/>
+              </a:rPr>
+              <a:t>스페인어로 화폐</a:t>
+            </a:r>
+            <a:r>
+              <a:rPr lang="en-US" altLang="ko-KR" sz="1600" dirty="0">
+                <a:solidFill>
+                  <a:schemeClr val="tx1">
+                    <a:lumMod val="85000"/>
+                    <a:lumOff val="15000"/>
+                  </a:schemeClr>
+                </a:solidFill>
+                <a:latin typeface="+mn-ea"/>
+              </a:rPr>
+              <a:t>, </a:t>
+            </a:r>
+            <a:r>
+              <a:rPr lang="ko-KR" altLang="en-US" sz="1600" dirty="0">
+                <a:solidFill>
+                  <a:schemeClr val="tx1">
+                    <a:lumMod val="85000"/>
+                    <a:lumOff val="15000"/>
+                  </a:schemeClr>
+                </a:solidFill>
+                <a:latin typeface="+mn-ea"/>
+              </a:rPr>
+              <a:t>돈이라는 뜻</a:t>
+            </a:r>
+            <a:r>
+              <a:rPr lang="en-US" altLang="ko-KR" sz="1600" dirty="0">
+                <a:solidFill>
+                  <a:schemeClr val="tx1">
+                    <a:lumMod val="85000"/>
+                    <a:lumOff val="15000"/>
+                  </a:schemeClr>
+                </a:solidFill>
+                <a:latin typeface="+mn-ea"/>
+              </a:rPr>
+              <a:t>.</a:t>
+            </a:r>
             <a:br>
               <a:rPr lang="en-US" altLang="ko-KR" sz="1600" dirty="0">
                 <a:solidFill>
@@ -4752,15 +4976,68 @@
               </a:rPr>
               <a:t>.</a:t>
             </a:r>
-            <a:endParaRPr lang="ko-KR" altLang="en-US" sz="1600" dirty="0">
-              <a:solidFill>
-                <a:schemeClr val="tx1">
-                  <a:lumMod val="85000"/>
-                  <a:lumOff val="15000"/>
-                </a:schemeClr>
-              </a:solidFill>
-              <a:latin typeface="+mn-ea"/>
-            </a:endParaRPr>
+          </a:p>
+          <a:p>
+            <a:r>
+              <a:rPr lang="ko-KR" altLang="en-US" sz="1600" dirty="0">
+                <a:solidFill>
+                  <a:schemeClr val="tx1">
+                    <a:lumMod val="85000"/>
+                    <a:lumOff val="15000"/>
+                  </a:schemeClr>
+                </a:solidFill>
+                <a:latin typeface="+mn-ea"/>
+              </a:rPr>
+              <a:t>화폐를 보여주면 명칭</a:t>
+            </a:r>
+            <a:r>
+              <a:rPr lang="en-US" altLang="ko-KR" sz="1600" dirty="0">
+                <a:solidFill>
+                  <a:schemeClr val="tx1">
+                    <a:lumMod val="85000"/>
+                    <a:lumOff val="15000"/>
+                  </a:schemeClr>
+                </a:solidFill>
+                <a:latin typeface="+mn-ea"/>
+              </a:rPr>
+              <a:t>,</a:t>
+            </a:r>
+            <a:r>
+              <a:rPr lang="ko-KR" altLang="en-US" sz="1600" dirty="0">
+                <a:solidFill>
+                  <a:schemeClr val="tx1">
+                    <a:lumMod val="85000"/>
+                    <a:lumOff val="15000"/>
+                  </a:schemeClr>
+                </a:solidFill>
+                <a:latin typeface="+mn-ea"/>
+              </a:rPr>
+              <a:t> 사용 국가</a:t>
+            </a:r>
+            <a:r>
+              <a:rPr lang="en-US" altLang="ko-KR" sz="1600" dirty="0">
+                <a:solidFill>
+                  <a:schemeClr val="tx1">
+                    <a:lumMod val="85000"/>
+                    <a:lumOff val="15000"/>
+                  </a:schemeClr>
+                </a:solidFill>
+                <a:latin typeface="+mn-ea"/>
+              </a:rPr>
+              <a:t>, </a:t>
+            </a:r>
+            <a:r>
+              <a:rPr lang="ko-KR" altLang="en-US" sz="1600" dirty="0">
+                <a:solidFill>
+                  <a:schemeClr val="tx1">
+                    <a:lumMod val="85000"/>
+                    <a:lumOff val="15000"/>
+                  </a:schemeClr>
+                </a:solidFill>
+                <a:latin typeface="+mn-ea"/>
+              </a:rPr>
+              <a:t>인물을 알려준다</a:t>
+            </a:r>
           </a:p>
         </p:txBody>
       </p:sp>
@@ -4926,7 +5203,7 @@
         <p:spPr>
           <a:xfrm>
             <a:off x="482083" y="5754045"/>
-            <a:ext cx="11439332" cy="400110"/>
+            <a:ext cx="11439332" cy="707886"/>
           </a:xfrm>
           <a:prstGeom prst="rect">
             <a:avLst/>
@@ -4961,9 +5238,18 @@
                 </a:solidFill>
                 <a:latin typeface="+mn-ea"/>
               </a:rPr>
-              <a:t>: https://</a:t>
-            </a:r>
-            <a:endParaRPr lang="ko-KR" altLang="en-US" sz="2000" dirty="0">
+              <a:t>: </a:t>
+            </a:r>
+            <a:r>
+              <a:rPr lang="en-US" altLang="ko-KR" dirty="0">
+                <a:hlinkClick r:id="rId2"/>
+              </a:rPr>
+              <a:t>https://an-suhyun.github.io/template/</a:t>
+            </a:r>
+            <a:endParaRPr lang="en-US" altLang="ko-KR" dirty="0"/>
+          </a:p>
+          <a:p>
+            <a:endParaRPr lang="en-US" altLang="ko-KR" sz="2000" dirty="0">
               <a:solidFill>
                 <a:schemeClr val="tx1">
                   <a:lumMod val="85000"/>
